--- a/Презентация (Поршнев).pptx
+++ b/Презентация (Поршнев).pptx
@@ -206,7 +206,7 @@
           <a:p>
             <a:fld id="{034EF4E9-38F9-476B-9E70-9F823E8BF97F}" type="datetimeFigureOut">
               <a:rPr lang="ru-RU" smtClean="0"/>
-              <a:t>10.12.2025</a:t>
+              <a:t>11.12.2025</a:t>
             </a:fld>
             <a:endParaRPr lang="ru-RU"/>
           </a:p>
@@ -686,7 +686,7 @@
           <a:p>
             <a:fld id="{A5DAC022-C4BD-4DE5-B6C6-2C8CA39FFCFB}" type="datetimeFigureOut">
               <a:rPr lang="ru-RU" smtClean="0"/>
-              <a:t>10.12.2025</a:t>
+              <a:t>11.12.2025</a:t>
             </a:fld>
             <a:endParaRPr lang="ru-RU"/>
           </a:p>
@@ -854,7 +854,7 @@
           <a:p>
             <a:fld id="{A5DAC022-C4BD-4DE5-B6C6-2C8CA39FFCFB}" type="datetimeFigureOut">
               <a:rPr lang="ru-RU" smtClean="0"/>
-              <a:t>10.12.2025</a:t>
+              <a:t>11.12.2025</a:t>
             </a:fld>
             <a:endParaRPr lang="ru-RU"/>
           </a:p>
@@ -1032,7 +1032,7 @@
           <a:p>
             <a:fld id="{A5DAC022-C4BD-4DE5-B6C6-2C8CA39FFCFB}" type="datetimeFigureOut">
               <a:rPr lang="ru-RU" smtClean="0"/>
-              <a:t>10.12.2025</a:t>
+              <a:t>11.12.2025</a:t>
             </a:fld>
             <a:endParaRPr lang="ru-RU"/>
           </a:p>
@@ -1200,7 +1200,7 @@
           <a:p>
             <a:fld id="{A5DAC022-C4BD-4DE5-B6C6-2C8CA39FFCFB}" type="datetimeFigureOut">
               <a:rPr lang="ru-RU" smtClean="0"/>
-              <a:t>10.12.2025</a:t>
+              <a:t>11.12.2025</a:t>
             </a:fld>
             <a:endParaRPr lang="ru-RU"/>
           </a:p>
@@ -1445,7 +1445,7 @@
           <a:p>
             <a:fld id="{A5DAC022-C4BD-4DE5-B6C6-2C8CA39FFCFB}" type="datetimeFigureOut">
               <a:rPr lang="ru-RU" smtClean="0"/>
-              <a:t>10.12.2025</a:t>
+              <a:t>11.12.2025</a:t>
             </a:fld>
             <a:endParaRPr lang="ru-RU"/>
           </a:p>
@@ -1674,7 +1674,7 @@
           <a:p>
             <a:fld id="{A5DAC022-C4BD-4DE5-B6C6-2C8CA39FFCFB}" type="datetimeFigureOut">
               <a:rPr lang="ru-RU" smtClean="0"/>
-              <a:t>10.12.2025</a:t>
+              <a:t>11.12.2025</a:t>
             </a:fld>
             <a:endParaRPr lang="ru-RU"/>
           </a:p>
@@ -2038,7 +2038,7 @@
           <a:p>
             <a:fld id="{A5DAC022-C4BD-4DE5-B6C6-2C8CA39FFCFB}" type="datetimeFigureOut">
               <a:rPr lang="ru-RU" smtClean="0"/>
-              <a:t>10.12.2025</a:t>
+              <a:t>11.12.2025</a:t>
             </a:fld>
             <a:endParaRPr lang="ru-RU"/>
           </a:p>
@@ -2155,7 +2155,7 @@
           <a:p>
             <a:fld id="{A5DAC022-C4BD-4DE5-B6C6-2C8CA39FFCFB}" type="datetimeFigureOut">
               <a:rPr lang="ru-RU" smtClean="0"/>
-              <a:t>10.12.2025</a:t>
+              <a:t>11.12.2025</a:t>
             </a:fld>
             <a:endParaRPr lang="ru-RU"/>
           </a:p>
@@ -2250,7 +2250,7 @@
           <a:p>
             <a:fld id="{A5DAC022-C4BD-4DE5-B6C6-2C8CA39FFCFB}" type="datetimeFigureOut">
               <a:rPr lang="ru-RU" smtClean="0"/>
-              <a:t>10.12.2025</a:t>
+              <a:t>11.12.2025</a:t>
             </a:fld>
             <a:endParaRPr lang="ru-RU"/>
           </a:p>
@@ -2525,7 +2525,7 @@
           <a:p>
             <a:fld id="{A5DAC022-C4BD-4DE5-B6C6-2C8CA39FFCFB}" type="datetimeFigureOut">
               <a:rPr lang="ru-RU" smtClean="0"/>
-              <a:t>10.12.2025</a:t>
+              <a:t>11.12.2025</a:t>
             </a:fld>
             <a:endParaRPr lang="ru-RU"/>
           </a:p>
@@ -2777,7 +2777,7 @@
           <a:p>
             <a:fld id="{A5DAC022-C4BD-4DE5-B6C6-2C8CA39FFCFB}" type="datetimeFigureOut">
               <a:rPr lang="ru-RU" smtClean="0"/>
-              <a:t>10.12.2025</a:t>
+              <a:t>11.12.2025</a:t>
             </a:fld>
             <a:endParaRPr lang="ru-RU"/>
           </a:p>
@@ -2988,7 +2988,7 @@
           <a:p>
             <a:fld id="{A5DAC022-C4BD-4DE5-B6C6-2C8CA39FFCFB}" type="datetimeFigureOut">
               <a:rPr lang="ru-RU" smtClean="0"/>
-              <a:t>10.12.2025</a:t>
+              <a:t>11.12.2025</a:t>
             </a:fld>
             <a:endParaRPr lang="ru-RU"/>
           </a:p>
@@ -3433,6 +3433,16 @@
               </a:rPr>
               <a:t>ФЕДЕРАЛЬНОЕ ГОСУДАРСТВЕННОЕ БЮДЖЕТНОЕ ОБРАЗОВАТЕЛЬНОЕ УЧРЕЖДЕНИЕ ВЫСШЕГО ОБРАЗОВАНИЯ </a:t>
             </a:r>
+            <a:r>
+              <a:rPr lang="en-US" sz="1400" b="1" dirty="0">
+                <a:solidFill>
+                  <a:schemeClr val="bg1"/>
+                </a:solidFill>
+                <a:latin typeface="Bahnschrift Condensed" panose="020B0502040204020203" pitchFamily="34" charset="0"/>
+                <a:cs typeface="Arial" panose="020B0604020202020204" pitchFamily="34" charset="0"/>
+              </a:rPr>
+              <a:t/>
+            </a:r>
             <a:br>
               <a:rPr lang="en-US" sz="1400" b="1" dirty="0">
                 <a:solidFill>
@@ -3452,6 +3462,16 @@
               </a:rPr>
               <a:t>«САНКТ-ПЕТЕРБУРГСКИЙ ГОСУДАРСТВЕННЫЙ УНИВЕРСИТЕТ </a:t>
             </a:r>
+            <a:r>
+              <a:rPr lang="en-US" sz="1400" b="1" dirty="0">
+                <a:solidFill>
+                  <a:schemeClr val="bg1"/>
+                </a:solidFill>
+                <a:latin typeface="Bahnschrift Condensed" panose="020B0502040204020203" pitchFamily="34" charset="0"/>
+                <a:cs typeface="Arial" panose="020B0604020202020204" pitchFamily="34" charset="0"/>
+              </a:rPr>
+              <a:t/>
+            </a:r>
             <a:br>
               <a:rPr lang="en-US" sz="1400" b="1" dirty="0">
                 <a:solidFill>
@@ -3471,6 +3491,16 @@
               </a:rPr>
               <a:t>ТЕЛЕКОММУНИКАЦИЙ ИМ. ПРОФ. М.А. БОНЧ-БРУЕВИЧА» </a:t>
             </a:r>
+            <a:r>
+              <a:rPr lang="en-US" sz="1400" b="1" dirty="0">
+                <a:solidFill>
+                  <a:schemeClr val="bg1"/>
+                </a:solidFill>
+                <a:latin typeface="Bahnschrift Condensed" panose="020B0502040204020203" pitchFamily="34" charset="0"/>
+                <a:cs typeface="Arial" panose="020B0604020202020204" pitchFamily="34" charset="0"/>
+              </a:rPr>
+              <a:t/>
+            </a:r>
             <a:br>
               <a:rPr lang="en-US" sz="1400" b="1" dirty="0">
                 <a:solidFill>
@@ -3510,6 +3540,16 @@
               </a:rPr>
               <a:t>) </a:t>
             </a:r>
+            <a:r>
+              <a:rPr lang="en-US" sz="1400" b="1" dirty="0">
+                <a:solidFill>
+                  <a:schemeClr val="bg1"/>
+                </a:solidFill>
+                <a:latin typeface="Bahnschrift Condensed" panose="020B0502040204020203" pitchFamily="34" charset="0"/>
+                <a:cs typeface="Arial" panose="020B0604020202020204" pitchFamily="34" charset="0"/>
+              </a:rPr>
+              <a:t/>
+            </a:r>
             <a:br>
               <a:rPr lang="en-US" sz="1400" b="1" dirty="0">
                 <a:solidFill>
@@ -3519,6 +3559,16 @@
                 <a:cs typeface="Arial" panose="020B0604020202020204" pitchFamily="34" charset="0"/>
               </a:rPr>
             </a:br>
+            <a:r>
+              <a:rPr lang="en-US" sz="1400" b="1" dirty="0">
+                <a:solidFill>
+                  <a:schemeClr val="bg1"/>
+                </a:solidFill>
+                <a:latin typeface="Bahnschrift Condensed" panose="020B0502040204020203" pitchFamily="34" charset="0"/>
+                <a:cs typeface="Arial" panose="020B0604020202020204" pitchFamily="34" charset="0"/>
+              </a:rPr>
+              <a:t/>
+            </a:r>
             <a:br>
               <a:rPr lang="en-US" sz="1400" b="1" dirty="0">
                 <a:solidFill>
@@ -3538,6 +3588,16 @@
               </a:rPr>
               <a:t>АРХАНГЕЛЬСКИЙ КОЛЛЕДЖ ТЕЛЕКОММУНИКАЦИЙ </a:t>
             </a:r>
+            <a:r>
+              <a:rPr lang="en-US" sz="1400" b="1" dirty="0">
+                <a:solidFill>
+                  <a:schemeClr val="bg1"/>
+                </a:solidFill>
+                <a:latin typeface="Bahnschrift Condensed" panose="020B0502040204020203" pitchFamily="34" charset="0"/>
+                <a:cs typeface="Arial" panose="020B0604020202020204" pitchFamily="34" charset="0"/>
+              </a:rPr>
+              <a:t/>
+            </a:r>
             <a:br>
               <a:rPr lang="en-US" sz="1400" b="1" dirty="0">
                 <a:solidFill>
@@ -3576,6 +3636,16 @@
                 <a:cs typeface="Arial" panose="020B0604020202020204" pitchFamily="34" charset="0"/>
               </a:rPr>
               <a:t> </a:t>
+            </a:r>
+            <a:r>
+              <a:rPr lang="en-US" sz="1400" b="1" dirty="0">
+                <a:solidFill>
+                  <a:schemeClr val="bg1"/>
+                </a:solidFill>
+                <a:latin typeface="Bahnschrift Condensed" panose="020B0502040204020203" pitchFamily="34" charset="0"/>
+                <a:cs typeface="Arial" panose="020B0604020202020204" pitchFamily="34" charset="0"/>
+              </a:rPr>
+              <a:t/>
             </a:r>
             <a:br>
               <a:rPr lang="en-US" sz="1400" b="1" dirty="0">
@@ -4351,6 +4421,13 @@
   <p:clrMapOvr>
     <a:masterClrMapping/>
   </p:clrMapOvr>
+  <p:timing>
+    <p:tnLst>
+      <p:par>
+        <p:cTn id="1" dur="indefinite" restart="never" nodeType="tmRoot"/>
+      </p:par>
+    </p:tnLst>
+  </p:timing>
 </p:sld>
 </file>
 
@@ -4411,6 +4488,16 @@
               </a:rPr>
               <a:t>ФЕДЕРАЛЬНОЕ ГОСУДАРСТВЕННОЕ БЮДЖЕТНОЕ ОБРАЗОВАТЕЛЬНОЕ УЧРЕЖДЕНИЕ ВЫСШЕГО ОБРАЗОВАНИЯ </a:t>
             </a:r>
+            <a:r>
+              <a:rPr lang="en-US" sz="1400" b="1" dirty="0">
+                <a:solidFill>
+                  <a:schemeClr val="bg1"/>
+                </a:solidFill>
+                <a:latin typeface="Bahnschrift Condensed" panose="020B0502040204020203" pitchFamily="34" charset="0"/>
+                <a:cs typeface="Arial" panose="020B0604020202020204" pitchFamily="34" charset="0"/>
+              </a:rPr>
+              <a:t/>
+            </a:r>
             <a:br>
               <a:rPr lang="en-US" sz="1400" b="1" dirty="0">
                 <a:solidFill>
@@ -4430,6 +4517,16 @@
               </a:rPr>
               <a:t>«САНКТ-ПЕТЕРБУРГСКИЙ ГОСУДАРСТВЕННЫЙ УНИВЕРСИТЕТ </a:t>
             </a:r>
+            <a:r>
+              <a:rPr lang="en-US" sz="1400" b="1" dirty="0">
+                <a:solidFill>
+                  <a:schemeClr val="bg1"/>
+                </a:solidFill>
+                <a:latin typeface="Bahnschrift Condensed" panose="020B0502040204020203" pitchFamily="34" charset="0"/>
+                <a:cs typeface="Arial" panose="020B0604020202020204" pitchFamily="34" charset="0"/>
+              </a:rPr>
+              <a:t/>
+            </a:r>
             <a:br>
               <a:rPr lang="en-US" sz="1400" b="1" dirty="0">
                 <a:solidFill>
@@ -4449,6 +4546,16 @@
               </a:rPr>
               <a:t>ТЕЛЕКОММУНИКАЦИЙ ИМ. ПРОФ. М.А. БОНЧ-БРУЕВИЧА» </a:t>
             </a:r>
+            <a:r>
+              <a:rPr lang="en-US" sz="1400" b="1" dirty="0">
+                <a:solidFill>
+                  <a:schemeClr val="bg1"/>
+                </a:solidFill>
+                <a:latin typeface="Bahnschrift Condensed" panose="020B0502040204020203" pitchFamily="34" charset="0"/>
+                <a:cs typeface="Arial" panose="020B0604020202020204" pitchFamily="34" charset="0"/>
+              </a:rPr>
+              <a:t/>
+            </a:r>
             <a:br>
               <a:rPr lang="en-US" sz="1400" b="1" dirty="0">
                 <a:solidFill>
@@ -4488,6 +4595,16 @@
               </a:rPr>
               <a:t>) </a:t>
             </a:r>
+            <a:r>
+              <a:rPr lang="en-US" sz="1400" b="1" dirty="0">
+                <a:solidFill>
+                  <a:schemeClr val="bg1"/>
+                </a:solidFill>
+                <a:latin typeface="Bahnschrift Condensed" panose="020B0502040204020203" pitchFamily="34" charset="0"/>
+                <a:cs typeface="Arial" panose="020B0604020202020204" pitchFamily="34" charset="0"/>
+              </a:rPr>
+              <a:t/>
+            </a:r>
             <a:br>
               <a:rPr lang="en-US" sz="1400" b="1" dirty="0">
                 <a:solidFill>
@@ -4497,6 +4614,16 @@
                 <a:cs typeface="Arial" panose="020B0604020202020204" pitchFamily="34" charset="0"/>
               </a:rPr>
             </a:br>
+            <a:r>
+              <a:rPr lang="en-US" sz="1400" b="1" dirty="0">
+                <a:solidFill>
+                  <a:schemeClr val="bg1"/>
+                </a:solidFill>
+                <a:latin typeface="Bahnschrift Condensed" panose="020B0502040204020203" pitchFamily="34" charset="0"/>
+                <a:cs typeface="Arial" panose="020B0604020202020204" pitchFamily="34" charset="0"/>
+              </a:rPr>
+              <a:t/>
+            </a:r>
             <a:br>
               <a:rPr lang="en-US" sz="1400" b="1" dirty="0">
                 <a:solidFill>
@@ -4516,6 +4643,16 @@
               </a:rPr>
               <a:t>АРХАНГЕЛЬСКИЙ КОЛЛЕДЖ ТЕЛЕКОММУНИКАЦИЙ </a:t>
             </a:r>
+            <a:r>
+              <a:rPr lang="en-US" sz="1400" b="1" dirty="0">
+                <a:solidFill>
+                  <a:schemeClr val="bg1"/>
+                </a:solidFill>
+                <a:latin typeface="Bahnschrift Condensed" panose="020B0502040204020203" pitchFamily="34" charset="0"/>
+                <a:cs typeface="Arial" panose="020B0604020202020204" pitchFamily="34" charset="0"/>
+              </a:rPr>
+              <a:t/>
+            </a:r>
             <a:br>
               <a:rPr lang="en-US" sz="1400" b="1" dirty="0">
                 <a:solidFill>
@@ -4554,6 +4691,16 @@
                 <a:cs typeface="Arial" panose="020B0604020202020204" pitchFamily="34" charset="0"/>
               </a:rPr>
               <a:t> </a:t>
+            </a:r>
+            <a:r>
+              <a:rPr lang="en-US" sz="1400" b="1" dirty="0">
+                <a:solidFill>
+                  <a:schemeClr val="bg1"/>
+                </a:solidFill>
+                <a:latin typeface="Bahnschrift Condensed" panose="020B0502040204020203" pitchFamily="34" charset="0"/>
+                <a:cs typeface="Arial" panose="020B0604020202020204" pitchFamily="34" charset="0"/>
+              </a:rPr>
+              <a:t/>
             </a:r>
             <a:br>
               <a:rPr lang="en-US" sz="1400" b="1" dirty="0">
@@ -5329,6 +5476,13 @@
   <p:clrMapOvr>
     <a:masterClrMapping/>
   </p:clrMapOvr>
+  <p:timing>
+    <p:tnLst>
+      <p:par>
+        <p:cTn id="1" dur="indefinite" restart="never" nodeType="tmRoot"/>
+      </p:par>
+    </p:tnLst>
+  </p:timing>
 </p:sld>
 </file>
 
@@ -5899,6 +6053,13 @@
   <p:clrMapOvr>
     <a:masterClrMapping/>
   </p:clrMapOvr>
+  <p:timing>
+    <p:tnLst>
+      <p:par>
+        <p:cTn id="1" dur="indefinite" restart="never" nodeType="tmRoot"/>
+      </p:par>
+    </p:tnLst>
+  </p:timing>
 </p:sld>
 </file>
 
@@ -6532,6 +6693,13 @@
   <p:clrMapOvr>
     <a:masterClrMapping/>
   </p:clrMapOvr>
+  <p:timing>
+    <p:tnLst>
+      <p:par>
+        <p:cTn id="1" dur="indefinite" restart="never" nodeType="tmRoot"/>
+      </p:par>
+    </p:tnLst>
+  </p:timing>
 </p:sld>
 </file>
 
@@ -6932,6 +7100,13 @@
   <p:clrMapOvr>
     <a:masterClrMapping/>
   </p:clrMapOvr>
+  <p:timing>
+    <p:tnLst>
+      <p:par>
+        <p:cTn id="1" dur="indefinite" restart="never" nodeType="tmRoot"/>
+      </p:par>
+    </p:tnLst>
+  </p:timing>
 </p:sld>
 </file>
 
@@ -7474,6 +7649,13 @@
   <p:clrMapOvr>
     <a:masterClrMapping/>
   </p:clrMapOvr>
+  <p:timing>
+    <p:tnLst>
+      <p:par>
+        <p:cTn id="1" dur="indefinite" restart="never" nodeType="tmRoot"/>
+      </p:par>
+    </p:tnLst>
+  </p:timing>
 </p:sld>
 </file>
 
@@ -7948,6 +8130,13 @@
   <p:clrMapOvr>
     <a:masterClrMapping/>
   </p:clrMapOvr>
+  <p:timing>
+    <p:tnLst>
+      <p:par>
+        <p:cTn id="1" dur="indefinite" restart="never" nodeType="tmRoot"/>
+      </p:par>
+    </p:tnLst>
+  </p:timing>
 </p:sld>
 </file>
 
@@ -8262,6 +8451,522 @@
           </a:p>
         </p:txBody>
       </p:sp>
+      <p:sp>
+        <p:nvSpPr>
+          <p:cNvPr id="5" name="TextBox 4">
+            <a:extLst>
+              <a:ext uri="{FF2B5EF4-FFF2-40B4-BE49-F238E27FC236}">
+                <a16:creationId xmlns:a16="http://schemas.microsoft.com/office/drawing/2014/main" id="{16E750BA-90A8-BEE1-AF70-5F27EAD4EFC1}"/>
+              </a:ext>
+            </a:extLst>
+          </p:cNvPr>
+          <p:cNvSpPr txBox="1"/>
+          <p:nvPr/>
+        </p:nvSpPr>
+        <p:spPr>
+          <a:xfrm>
+            <a:off x="2368166" y="1532176"/>
+            <a:ext cx="3501225" cy="584775"/>
+          </a:xfrm>
+          <a:prstGeom prst="rect">
+            <a:avLst/>
+          </a:prstGeom>
+          <a:noFill/>
+        </p:spPr>
+        <p:txBody>
+          <a:bodyPr wrap="square">
+            <a:spAutoFit/>
+          </a:bodyPr>
+          <a:lstStyle/>
+          <a:p>
+            <a:r>
+              <a:rPr lang="en-US" sz="3200" dirty="0" smtClean="0">
+                <a:solidFill>
+                  <a:schemeClr val="bg1"/>
+                </a:solidFill>
+                <a:latin typeface="Bahnschrift Condensed" panose="020B0502040204020203" pitchFamily="34" charset="0"/>
+              </a:rPr>
+              <a:t>EmploymentService.dll</a:t>
+            </a:r>
+          </a:p>
+        </p:txBody>
+      </p:sp>
+      <p:sp>
+        <p:nvSpPr>
+          <p:cNvPr id="6" name="TextBox 5">
+            <a:extLst>
+              <a:ext uri="{FF2B5EF4-FFF2-40B4-BE49-F238E27FC236}">
+                <a16:creationId xmlns:a16="http://schemas.microsoft.com/office/drawing/2014/main" id="{16E750BA-90A8-BEE1-AF70-5F27EAD4EFC1}"/>
+              </a:ext>
+            </a:extLst>
+          </p:cNvPr>
+          <p:cNvSpPr txBox="1"/>
+          <p:nvPr/>
+        </p:nvSpPr>
+        <p:spPr>
+          <a:xfrm>
+            <a:off x="1282104" y="4899657"/>
+            <a:ext cx="1086062" cy="584775"/>
+          </a:xfrm>
+          <a:prstGeom prst="rect">
+            <a:avLst/>
+          </a:prstGeom>
+          <a:noFill/>
+        </p:spPr>
+        <p:txBody>
+          <a:bodyPr wrap="square">
+            <a:spAutoFit/>
+          </a:bodyPr>
+          <a:lstStyle/>
+          <a:p>
+            <a:r>
+              <a:rPr lang="en-US" sz="3200" dirty="0" smtClean="0">
+                <a:solidFill>
+                  <a:schemeClr val="bg1"/>
+                </a:solidFill>
+                <a:latin typeface="Bahnschrift Condensed" panose="020B0502040204020203" pitchFamily="34" charset="0"/>
+              </a:rPr>
+              <a:t>MySQL</a:t>
+            </a:r>
+            <a:endParaRPr lang="ru-RU" sz="3200" dirty="0">
+              <a:solidFill>
+                <a:schemeClr val="bg1"/>
+              </a:solidFill>
+              <a:latin typeface="Bahnschrift Condensed" panose="020B0502040204020203" pitchFamily="34" charset="0"/>
+            </a:endParaRPr>
+          </a:p>
+        </p:txBody>
+      </p:sp>
+      <p:sp>
+        <p:nvSpPr>
+          <p:cNvPr id="7" name="TextBox 6">
+            <a:extLst>
+              <a:ext uri="{FF2B5EF4-FFF2-40B4-BE49-F238E27FC236}">
+                <a16:creationId xmlns:a16="http://schemas.microsoft.com/office/drawing/2014/main" id="{16E750BA-90A8-BEE1-AF70-5F27EAD4EFC1}"/>
+              </a:ext>
+            </a:extLst>
+          </p:cNvPr>
+          <p:cNvSpPr txBox="1"/>
+          <p:nvPr/>
+        </p:nvSpPr>
+        <p:spPr>
+          <a:xfrm>
+            <a:off x="6095999" y="4899657"/>
+            <a:ext cx="1352551" cy="584775"/>
+          </a:xfrm>
+          <a:prstGeom prst="rect">
+            <a:avLst/>
+          </a:prstGeom>
+          <a:noFill/>
+        </p:spPr>
+        <p:txBody>
+          <a:bodyPr wrap="square">
+            <a:spAutoFit/>
+          </a:bodyPr>
+          <a:lstStyle/>
+          <a:p>
+            <a:pPr algn="ctr"/>
+            <a:r>
+              <a:rPr lang="ru-RU" sz="3200" dirty="0" smtClean="0">
+                <a:solidFill>
+                  <a:schemeClr val="bg1"/>
+                </a:solidFill>
+                <a:latin typeface="Bahnschrift Condensed" panose="020B0502040204020203" pitchFamily="34" charset="0"/>
+              </a:rPr>
+              <a:t>Сервер</a:t>
+            </a:r>
+            <a:endParaRPr lang="en-US" sz="3200" dirty="0" smtClean="0">
+              <a:solidFill>
+                <a:schemeClr val="bg1"/>
+              </a:solidFill>
+              <a:latin typeface="Bahnschrift Condensed" panose="020B0502040204020203" pitchFamily="34" charset="0"/>
+            </a:endParaRPr>
+          </a:p>
+        </p:txBody>
+      </p:sp>
+      <p:sp>
+        <p:nvSpPr>
+          <p:cNvPr id="8" name="TextBox 7">
+            <a:extLst>
+              <a:ext uri="{FF2B5EF4-FFF2-40B4-BE49-F238E27FC236}">
+                <a16:creationId xmlns:a16="http://schemas.microsoft.com/office/drawing/2014/main" id="{16E750BA-90A8-BEE1-AF70-5F27EAD4EFC1}"/>
+              </a:ext>
+            </a:extLst>
+          </p:cNvPr>
+          <p:cNvSpPr txBox="1"/>
+          <p:nvPr/>
+        </p:nvSpPr>
+        <p:spPr>
+          <a:xfrm>
+            <a:off x="8162925" y="1532175"/>
+            <a:ext cx="2127247" cy="584775"/>
+          </a:xfrm>
+          <a:prstGeom prst="rect">
+            <a:avLst/>
+          </a:prstGeom>
+          <a:noFill/>
+        </p:spPr>
+        <p:txBody>
+          <a:bodyPr wrap="square">
+            <a:spAutoFit/>
+          </a:bodyPr>
+          <a:lstStyle/>
+          <a:p>
+            <a:pPr algn="ctr"/>
+            <a:r>
+              <a:rPr lang="ru-RU" sz="3200" dirty="0" smtClean="0">
+                <a:solidFill>
+                  <a:schemeClr val="bg1"/>
+                </a:solidFill>
+                <a:latin typeface="Bahnschrift Condensed" panose="020B0502040204020203" pitchFamily="34" charset="0"/>
+              </a:rPr>
+              <a:t>Браузер</a:t>
+            </a:r>
+            <a:endParaRPr lang="en-US" sz="3200" dirty="0" smtClean="0">
+              <a:solidFill>
+                <a:schemeClr val="bg1"/>
+              </a:solidFill>
+              <a:latin typeface="Bahnschrift Condensed" panose="020B0502040204020203" pitchFamily="34" charset="0"/>
+            </a:endParaRPr>
+          </a:p>
+        </p:txBody>
+      </p:sp>
+      <p:pic>
+        <p:nvPicPr>
+          <p:cNvPr id="3" name="Рисунок 2"/>
+          <p:cNvPicPr>
+            <a:picLocks noChangeAspect="1"/>
+          </p:cNvPicPr>
+          <p:nvPr/>
+        </p:nvPicPr>
+        <p:blipFill>
+          <a:blip r:embed="rId3">
+            <a:extLst>
+              <a:ext uri="{28A0092B-C50C-407E-A947-70E740481C1C}">
+                <a14:useLocalDpi xmlns:a14="http://schemas.microsoft.com/office/drawing/2010/main" val="0"/>
+              </a:ext>
+            </a:extLst>
+          </a:blip>
+          <a:stretch>
+            <a:fillRect/>
+          </a:stretch>
+        </p:blipFill>
+        <p:spPr>
+          <a:xfrm>
+            <a:off x="1190214" y="3609308"/>
+            <a:ext cx="1269841" cy="1269841"/>
+          </a:xfrm>
+          <a:prstGeom prst="rect">
+            <a:avLst/>
+          </a:prstGeom>
+        </p:spPr>
+      </p:pic>
+      <p:pic>
+        <p:nvPicPr>
+          <p:cNvPr id="10" name="Рисунок 9"/>
+          <p:cNvPicPr>
+            <a:picLocks noChangeAspect="1"/>
+          </p:cNvPicPr>
+          <p:nvPr/>
+        </p:nvPicPr>
+        <p:blipFill>
+          <a:blip r:embed="rId4">
+            <a:extLst>
+              <a:ext uri="{28A0092B-C50C-407E-A947-70E740481C1C}">
+                <a14:useLocalDpi xmlns:a14="http://schemas.microsoft.com/office/drawing/2010/main" val="0"/>
+              </a:ext>
+            </a:extLst>
+          </a:blip>
+          <a:stretch>
+            <a:fillRect/>
+          </a:stretch>
+        </p:blipFill>
+        <p:spPr>
+          <a:xfrm>
+            <a:off x="3560405" y="2260519"/>
+            <a:ext cx="1116746" cy="1116746"/>
+          </a:xfrm>
+          <a:prstGeom prst="rect">
+            <a:avLst/>
+          </a:prstGeom>
+        </p:spPr>
+      </p:pic>
+      <p:pic>
+        <p:nvPicPr>
+          <p:cNvPr id="11" name="Рисунок 10"/>
+          <p:cNvPicPr>
+            <a:picLocks noChangeAspect="1"/>
+          </p:cNvPicPr>
+          <p:nvPr/>
+        </p:nvPicPr>
+        <p:blipFill>
+          <a:blip r:embed="rId5">
+            <a:extLst>
+              <a:ext uri="{28A0092B-C50C-407E-A947-70E740481C1C}">
+                <a14:useLocalDpi xmlns:a14="http://schemas.microsoft.com/office/drawing/2010/main" val="0"/>
+              </a:ext>
+            </a:extLst>
+          </a:blip>
+          <a:stretch>
+            <a:fillRect/>
+          </a:stretch>
+        </p:blipFill>
+        <p:spPr>
+          <a:xfrm>
+            <a:off x="6162750" y="3680609"/>
+            <a:ext cx="1219048" cy="1219048"/>
+          </a:xfrm>
+          <a:prstGeom prst="rect">
+            <a:avLst/>
+          </a:prstGeom>
+        </p:spPr>
+      </p:pic>
+      <p:pic>
+        <p:nvPicPr>
+          <p:cNvPr id="12" name="Рисунок 11"/>
+          <p:cNvPicPr>
+            <a:picLocks noChangeAspect="1"/>
+          </p:cNvPicPr>
+          <p:nvPr/>
+        </p:nvPicPr>
+        <p:blipFill>
+          <a:blip r:embed="rId6">
+            <a:extLst>
+              <a:ext uri="{28A0092B-C50C-407E-A947-70E740481C1C}">
+                <a14:useLocalDpi xmlns:a14="http://schemas.microsoft.com/office/drawing/2010/main" val="0"/>
+              </a:ext>
+            </a:extLst>
+          </a:blip>
+          <a:stretch>
+            <a:fillRect/>
+          </a:stretch>
+        </p:blipFill>
+        <p:spPr>
+          <a:xfrm>
+            <a:off x="8591627" y="2260519"/>
+            <a:ext cx="1269841" cy="1269841"/>
+          </a:xfrm>
+          <a:prstGeom prst="rect">
+            <a:avLst/>
+          </a:prstGeom>
+        </p:spPr>
+      </p:pic>
+      <p:cxnSp>
+        <p:nvCxnSpPr>
+          <p:cNvPr id="14" name="Прямая со стрелкой 13"/>
+          <p:cNvCxnSpPr/>
+          <p:nvPr/>
+        </p:nvCxnSpPr>
+        <p:spPr>
+          <a:xfrm flipV="1">
+            <a:off x="2526806" y="2895439"/>
+            <a:ext cx="873695" cy="634921"/>
+          </a:xfrm>
+          <a:prstGeom prst="straightConnector1">
+            <a:avLst/>
+          </a:prstGeom>
+          <a:ln w="63500">
+            <a:solidFill>
+              <a:schemeClr val="bg1"/>
+            </a:solidFill>
+            <a:tailEnd type="triangle"/>
+          </a:ln>
+        </p:spPr>
+        <p:style>
+          <a:lnRef idx="1">
+            <a:schemeClr val="accent1"/>
+          </a:lnRef>
+          <a:fillRef idx="0">
+            <a:schemeClr val="accent1"/>
+          </a:fillRef>
+          <a:effectRef idx="0">
+            <a:schemeClr val="accent1"/>
+          </a:effectRef>
+          <a:fontRef idx="minor">
+            <a:schemeClr val="tx1"/>
+          </a:fontRef>
+        </p:style>
+      </p:cxnSp>
+      <p:cxnSp>
+        <p:nvCxnSpPr>
+          <p:cNvPr id="16" name="Прямая со стрелкой 15"/>
+          <p:cNvCxnSpPr/>
+          <p:nvPr/>
+        </p:nvCxnSpPr>
+        <p:spPr>
+          <a:xfrm flipH="1">
+            <a:off x="2368166" y="2695575"/>
+            <a:ext cx="965584" cy="681690"/>
+          </a:xfrm>
+          <a:prstGeom prst="straightConnector1">
+            <a:avLst/>
+          </a:prstGeom>
+          <a:ln w="63500">
+            <a:solidFill>
+              <a:schemeClr val="bg1"/>
+            </a:solidFill>
+            <a:tailEnd type="triangle"/>
+          </a:ln>
+        </p:spPr>
+        <p:style>
+          <a:lnRef idx="1">
+            <a:schemeClr val="accent1"/>
+          </a:lnRef>
+          <a:fillRef idx="0">
+            <a:schemeClr val="accent1"/>
+          </a:fillRef>
+          <a:effectRef idx="0">
+            <a:schemeClr val="accent1"/>
+          </a:effectRef>
+          <a:fontRef idx="minor">
+            <a:schemeClr val="tx1"/>
+          </a:fontRef>
+        </p:style>
+      </p:cxnSp>
+      <p:cxnSp>
+        <p:nvCxnSpPr>
+          <p:cNvPr id="23" name="Прямая со стрелкой 22"/>
+          <p:cNvCxnSpPr/>
+          <p:nvPr/>
+        </p:nvCxnSpPr>
+        <p:spPr>
+          <a:xfrm flipV="1">
+            <a:off x="7606576" y="2895439"/>
+            <a:ext cx="873695" cy="634921"/>
+          </a:xfrm>
+          <a:prstGeom prst="straightConnector1">
+            <a:avLst/>
+          </a:prstGeom>
+          <a:ln w="63500">
+            <a:solidFill>
+              <a:schemeClr val="bg1"/>
+            </a:solidFill>
+            <a:tailEnd type="triangle"/>
+          </a:ln>
+        </p:spPr>
+        <p:style>
+          <a:lnRef idx="1">
+            <a:schemeClr val="accent1"/>
+          </a:lnRef>
+          <a:fillRef idx="0">
+            <a:schemeClr val="accent1"/>
+          </a:fillRef>
+          <a:effectRef idx="0">
+            <a:schemeClr val="accent1"/>
+          </a:effectRef>
+          <a:fontRef idx="minor">
+            <a:schemeClr val="tx1"/>
+          </a:fontRef>
+        </p:style>
+      </p:cxnSp>
+      <p:cxnSp>
+        <p:nvCxnSpPr>
+          <p:cNvPr id="24" name="Прямая со стрелкой 23"/>
+          <p:cNvCxnSpPr/>
+          <p:nvPr/>
+        </p:nvCxnSpPr>
+        <p:spPr>
+          <a:xfrm flipH="1">
+            <a:off x="7447936" y="2695575"/>
+            <a:ext cx="965584" cy="681690"/>
+          </a:xfrm>
+          <a:prstGeom prst="straightConnector1">
+            <a:avLst/>
+          </a:prstGeom>
+          <a:ln w="63500">
+            <a:solidFill>
+              <a:schemeClr val="bg1"/>
+            </a:solidFill>
+            <a:tailEnd type="triangle"/>
+          </a:ln>
+        </p:spPr>
+        <p:style>
+          <a:lnRef idx="1">
+            <a:schemeClr val="accent1"/>
+          </a:lnRef>
+          <a:fillRef idx="0">
+            <a:schemeClr val="accent1"/>
+          </a:fillRef>
+          <a:effectRef idx="0">
+            <a:schemeClr val="accent1"/>
+          </a:effectRef>
+          <a:fontRef idx="minor">
+            <a:schemeClr val="tx1"/>
+          </a:fontRef>
+        </p:style>
+      </p:cxnSp>
+      <p:cxnSp>
+        <p:nvCxnSpPr>
+          <p:cNvPr id="25" name="Прямая со стрелкой 24"/>
+          <p:cNvCxnSpPr/>
+          <p:nvPr/>
+        </p:nvCxnSpPr>
+        <p:spPr>
+          <a:xfrm flipH="1" flipV="1">
+            <a:off x="4903808" y="2695575"/>
+            <a:ext cx="1267478" cy="825258"/>
+          </a:xfrm>
+          <a:prstGeom prst="straightConnector1">
+            <a:avLst/>
+          </a:prstGeom>
+          <a:ln w="63500">
+            <a:solidFill>
+              <a:schemeClr val="bg1"/>
+            </a:solidFill>
+            <a:tailEnd type="triangle"/>
+          </a:ln>
+        </p:spPr>
+        <p:style>
+          <a:lnRef idx="1">
+            <a:schemeClr val="accent1"/>
+          </a:lnRef>
+          <a:fillRef idx="0">
+            <a:schemeClr val="accent1"/>
+          </a:fillRef>
+          <a:effectRef idx="0">
+            <a:schemeClr val="accent1"/>
+          </a:effectRef>
+          <a:fontRef idx="minor">
+            <a:schemeClr val="tx1"/>
+          </a:fontRef>
+        </p:style>
+      </p:cxnSp>
+      <p:cxnSp>
+        <p:nvCxnSpPr>
+          <p:cNvPr id="26" name="Прямая со стрелкой 25"/>
+          <p:cNvCxnSpPr/>
+          <p:nvPr/>
+        </p:nvCxnSpPr>
+        <p:spPr>
+          <a:xfrm>
+            <a:off x="4855258" y="2895439"/>
+            <a:ext cx="1196136" cy="785170"/>
+          </a:xfrm>
+          <a:prstGeom prst="straightConnector1">
+            <a:avLst/>
+          </a:prstGeom>
+          <a:ln w="63500">
+            <a:solidFill>
+              <a:schemeClr val="bg1"/>
+            </a:solidFill>
+            <a:tailEnd type="triangle"/>
+          </a:ln>
+        </p:spPr>
+        <p:style>
+          <a:lnRef idx="1">
+            <a:schemeClr val="accent1"/>
+          </a:lnRef>
+          <a:fillRef idx="0">
+            <a:schemeClr val="accent1"/>
+          </a:fillRef>
+          <a:effectRef idx="0">
+            <a:schemeClr val="accent1"/>
+          </a:effectRef>
+          <a:fontRef idx="minor">
+            <a:schemeClr val="tx1"/>
+          </a:fontRef>
+        </p:style>
+      </p:cxnSp>
     </p:spTree>
     <p:extLst>
       <p:ext uri="{BB962C8B-B14F-4D97-AF65-F5344CB8AC3E}">
@@ -8272,6 +8977,13 @@
   <p:clrMapOvr>
     <a:masterClrMapping/>
   </p:clrMapOvr>
+  <p:timing>
+    <p:tnLst>
+      <p:par>
+        <p:cTn id="1" dur="indefinite" restart="never" nodeType="tmRoot"/>
+      </p:par>
+    </p:tnLst>
+  </p:timing>
 </p:sld>
 </file>
 
@@ -8606,8 +9318,8 @@
         </p:nvSpPr>
         <p:spPr>
           <a:xfrm>
-            <a:off x="2512714" y="1470629"/>
-            <a:ext cx="4678674" cy="769441"/>
+            <a:off x="2512713" y="1470629"/>
+            <a:ext cx="5057463" cy="769441"/>
           </a:xfrm>
           <a:prstGeom prst="rect">
             <a:avLst/>
@@ -8830,6 +9542,13 @@
   <p:clrMapOvr>
     <a:masterClrMapping/>
   </p:clrMapOvr>
+  <p:timing>
+    <p:tnLst>
+      <p:par>
+        <p:cTn id="1" dur="indefinite" restart="never" nodeType="tmRoot"/>
+      </p:par>
+    </p:tnLst>
+  </p:timing>
 </p:sld>
 </file>
 
@@ -9193,6 +9912,13 @@
   <p:clrMapOvr>
     <a:masterClrMapping/>
   </p:clrMapOvr>
+  <p:timing>
+    <p:tnLst>
+      <p:par>
+        <p:cTn id="1" dur="indefinite" restart="never" nodeType="tmRoot"/>
+      </p:par>
+    </p:tnLst>
+  </p:timing>
 </p:sld>
 </file>
 
